--- a/JavaScript & Canvas 基礎概念.pptx
+++ b/JavaScript & Canvas 基礎概念.pptx
@@ -223,7 +223,7 @@
           <a:p>
             <a:fld id="{3D131B24-3DB0-4799-95F5-40934021C45C}" type="datetimeFigureOut">
               <a:rPr lang="zh-TW" altLang="en-US" smtClean="0"/>
-              <a:t>2020/10/25</a:t>
+              <a:t>2020/10/27</a:t>
             </a:fld>
             <a:endParaRPr lang="zh-TW" altLang="en-US"/>
           </a:p>
@@ -721,7 +721,7 @@
           <a:p>
             <a:fld id="{D81A15EB-9603-4396-9651-D4838FCBDE5A}" type="datetimeFigureOut">
               <a:rPr lang="zh-TW" altLang="en-US" smtClean="0"/>
-              <a:t>2020/10/25</a:t>
+              <a:t>2020/10/27</a:t>
             </a:fld>
             <a:endParaRPr lang="zh-TW" altLang="en-US"/>
           </a:p>
@@ -931,7 +931,7 @@
           <a:p>
             <a:fld id="{D81A15EB-9603-4396-9651-D4838FCBDE5A}" type="datetimeFigureOut">
               <a:rPr lang="zh-TW" altLang="en-US" smtClean="0"/>
-              <a:t>2020/10/25</a:t>
+              <a:t>2020/10/27</a:t>
             </a:fld>
             <a:endParaRPr lang="zh-TW" altLang="en-US"/>
           </a:p>
@@ -1151,7 +1151,7 @@
           <a:p>
             <a:fld id="{D81A15EB-9603-4396-9651-D4838FCBDE5A}" type="datetimeFigureOut">
               <a:rPr lang="zh-TW" altLang="en-US" smtClean="0"/>
-              <a:t>2020/10/25</a:t>
+              <a:t>2020/10/27</a:t>
             </a:fld>
             <a:endParaRPr lang="zh-TW" altLang="en-US"/>
           </a:p>
@@ -1409,7 +1409,7 @@
           <a:p>
             <a:fld id="{D81A15EB-9603-4396-9651-D4838FCBDE5A}" type="datetimeFigureOut">
               <a:rPr lang="zh-TW" altLang="en-US" smtClean="0"/>
-              <a:t>2020/10/25</a:t>
+              <a:t>2020/10/27</a:t>
             </a:fld>
             <a:endParaRPr lang="zh-TW" altLang="en-US"/>
           </a:p>
@@ -1696,7 +1696,7 @@
           <a:p>
             <a:fld id="{D81A15EB-9603-4396-9651-D4838FCBDE5A}" type="datetimeFigureOut">
               <a:rPr lang="zh-TW" altLang="en-US" smtClean="0"/>
-              <a:t>2020/10/25</a:t>
+              <a:t>2020/10/27</a:t>
             </a:fld>
             <a:endParaRPr lang="zh-TW" altLang="en-US"/>
           </a:p>
@@ -1973,7 +1973,7 @@
           <a:p>
             <a:fld id="{D81A15EB-9603-4396-9651-D4838FCBDE5A}" type="datetimeFigureOut">
               <a:rPr lang="zh-TW" altLang="en-US" smtClean="0"/>
-              <a:t>2020/10/25</a:t>
+              <a:t>2020/10/27</a:t>
             </a:fld>
             <a:endParaRPr lang="zh-TW" altLang="en-US"/>
           </a:p>
@@ -2397,7 +2397,7 @@
           <a:p>
             <a:fld id="{D81A15EB-9603-4396-9651-D4838FCBDE5A}" type="datetimeFigureOut">
               <a:rPr lang="zh-TW" altLang="en-US" smtClean="0"/>
-              <a:t>2020/10/25</a:t>
+              <a:t>2020/10/27</a:t>
             </a:fld>
             <a:endParaRPr lang="zh-TW" altLang="en-US"/>
           </a:p>
@@ -2550,7 +2550,7 @@
           <a:p>
             <a:fld id="{D81A15EB-9603-4396-9651-D4838FCBDE5A}" type="datetimeFigureOut">
               <a:rPr lang="zh-TW" altLang="en-US" smtClean="0"/>
-              <a:t>2020/10/25</a:t>
+              <a:t>2020/10/27</a:t>
             </a:fld>
             <a:endParaRPr lang="zh-TW" altLang="en-US"/>
           </a:p>
@@ -2675,7 +2675,7 @@
           <a:p>
             <a:fld id="{D81A15EB-9603-4396-9651-D4838FCBDE5A}" type="datetimeFigureOut">
               <a:rPr lang="zh-TW" altLang="en-US" smtClean="0"/>
-              <a:t>2020/10/25</a:t>
+              <a:t>2020/10/27</a:t>
             </a:fld>
             <a:endParaRPr lang="zh-TW" altLang="en-US"/>
           </a:p>
@@ -2998,7 +2998,7 @@
           <a:p>
             <a:fld id="{D81A15EB-9603-4396-9651-D4838FCBDE5A}" type="datetimeFigureOut">
               <a:rPr lang="zh-TW" altLang="en-US" smtClean="0"/>
-              <a:t>2020/10/25</a:t>
+              <a:t>2020/10/27</a:t>
             </a:fld>
             <a:endParaRPr lang="zh-TW" altLang="en-US"/>
           </a:p>
@@ -3298,7 +3298,7 @@
           <a:p>
             <a:fld id="{D81A15EB-9603-4396-9651-D4838FCBDE5A}" type="datetimeFigureOut">
               <a:rPr lang="zh-TW" altLang="en-US" smtClean="0"/>
-              <a:t>2020/10/25</a:t>
+              <a:t>2020/10/27</a:t>
             </a:fld>
             <a:endParaRPr lang="zh-TW" altLang="en-US"/>
           </a:p>
@@ -3560,7 +3560,7 @@
           <a:p>
             <a:fld id="{D81A15EB-9603-4396-9651-D4838FCBDE5A}" type="datetimeFigureOut">
               <a:rPr lang="zh-TW" altLang="en-US" smtClean="0"/>
-              <a:t>2020/10/25</a:t>
+              <a:t>2020/10/27</a:t>
             </a:fld>
             <a:endParaRPr lang="zh-TW" altLang="en-US"/>
           </a:p>
@@ -9012,7 +9012,7 @@
           <a:p>
             <a:r>
               <a:rPr lang="en-US" altLang="zh-TW" dirty="0"/>
-              <a:t>Windows </a:t>
+              <a:t>Window </a:t>
             </a:r>
             <a:r>
               <a:rPr lang="zh-TW" altLang="en-US" dirty="0"/>
